--- a/PapelesDeTrabajo/proyecto papeleria.pptx
+++ b/PapelesDeTrabajo/proyecto papeleria.pptx
@@ -6,6 +6,7 @@
   </p:sldMasterIdLst>
   <p:sldIdLst>
     <p:sldId id="256" r:id="rId2"/>
+    <p:sldId id="257" r:id="rId3"/>
   </p:sldIdLst>
   <p:sldSz cx="12192000" cy="6858000"/>
   <p:notesSz cx="6858000" cy="9144000"/>
@@ -134,7 +135,7 @@
           <p:cNvPr id="2" name="Título 1">
             <a:extLst>
               <a:ext uri="{FF2B5EF4-FFF2-40B4-BE49-F238E27FC236}">
-                <a16:creationId xmlns:a16="http://schemas.microsoft.com/office/drawing/2014/main" xmlns="" id="{90287B93-77F7-4663-9B69-8A52FC82CDAA}"/>
+                <a16:creationId xmlns="" xmlns:a16="http://schemas.microsoft.com/office/drawing/2014/main" id="{90287B93-77F7-4663-9B69-8A52FC82CDAA}"/>
               </a:ext>
             </a:extLst>
           </p:cNvPr>
@@ -172,7 +173,7 @@
           <p:cNvPr id="3" name="Subtítulo 2">
             <a:extLst>
               <a:ext uri="{FF2B5EF4-FFF2-40B4-BE49-F238E27FC236}">
-                <a16:creationId xmlns:a16="http://schemas.microsoft.com/office/drawing/2014/main" xmlns="" id="{7B3F37A3-9CF4-4E6E-A209-23E281522293}"/>
+                <a16:creationId xmlns="" xmlns:a16="http://schemas.microsoft.com/office/drawing/2014/main" id="{7B3F37A3-9CF4-4E6E-A209-23E281522293}"/>
               </a:ext>
             </a:extLst>
           </p:cNvPr>
@@ -243,7 +244,7 @@
           <p:cNvPr id="4" name="Marcador de fecha 3">
             <a:extLst>
               <a:ext uri="{FF2B5EF4-FFF2-40B4-BE49-F238E27FC236}">
-                <a16:creationId xmlns:a16="http://schemas.microsoft.com/office/drawing/2014/main" xmlns="" id="{08BAC133-7E4E-41B3-8E4B-C9BCFBF11606}"/>
+                <a16:creationId xmlns="" xmlns:a16="http://schemas.microsoft.com/office/drawing/2014/main" id="{08BAC133-7E4E-41B3-8E4B-C9BCFBF11606}"/>
               </a:ext>
             </a:extLst>
           </p:cNvPr>
@@ -272,7 +273,7 @@
           <p:cNvPr id="5" name="Marcador de pie de página 4">
             <a:extLst>
               <a:ext uri="{FF2B5EF4-FFF2-40B4-BE49-F238E27FC236}">
-                <a16:creationId xmlns:a16="http://schemas.microsoft.com/office/drawing/2014/main" xmlns="" id="{116BF70C-7E82-43C0-A805-FAE083EEAD34}"/>
+                <a16:creationId xmlns="" xmlns:a16="http://schemas.microsoft.com/office/drawing/2014/main" id="{116BF70C-7E82-43C0-A805-FAE083EEAD34}"/>
               </a:ext>
             </a:extLst>
           </p:cNvPr>
@@ -297,7 +298,7 @@
           <p:cNvPr id="6" name="Marcador de número de diapositiva 5">
             <a:extLst>
               <a:ext uri="{FF2B5EF4-FFF2-40B4-BE49-F238E27FC236}">
-                <a16:creationId xmlns:a16="http://schemas.microsoft.com/office/drawing/2014/main" xmlns="" id="{F683CFD7-72EA-470B-8584-B0F356C7FB07}"/>
+                <a16:creationId xmlns="" xmlns:a16="http://schemas.microsoft.com/office/drawing/2014/main" id="{F683CFD7-72EA-470B-8584-B0F356C7FB07}"/>
               </a:ext>
             </a:extLst>
           </p:cNvPr>
@@ -356,7 +357,7 @@
           <p:cNvPr id="2" name="Título 1">
             <a:extLst>
               <a:ext uri="{FF2B5EF4-FFF2-40B4-BE49-F238E27FC236}">
-                <a16:creationId xmlns:a16="http://schemas.microsoft.com/office/drawing/2014/main" xmlns="" id="{38B57252-8B77-4975-864D-C2DC9BBDD5B0}"/>
+                <a16:creationId xmlns="" xmlns:a16="http://schemas.microsoft.com/office/drawing/2014/main" id="{38B57252-8B77-4975-864D-C2DC9BBDD5B0}"/>
               </a:ext>
             </a:extLst>
           </p:cNvPr>
@@ -385,7 +386,7 @@
           <p:cNvPr id="3" name="Marcador de texto vertical 2">
             <a:extLst>
               <a:ext uri="{FF2B5EF4-FFF2-40B4-BE49-F238E27FC236}">
-                <a16:creationId xmlns:a16="http://schemas.microsoft.com/office/drawing/2014/main" xmlns="" id="{28A4C066-B3A1-426C-946E-AECB8275A15A}"/>
+                <a16:creationId xmlns="" xmlns:a16="http://schemas.microsoft.com/office/drawing/2014/main" id="{28A4C066-B3A1-426C-946E-AECB8275A15A}"/>
               </a:ext>
             </a:extLst>
           </p:cNvPr>
@@ -443,7 +444,7 @@
           <p:cNvPr id="4" name="Marcador de fecha 3">
             <a:extLst>
               <a:ext uri="{FF2B5EF4-FFF2-40B4-BE49-F238E27FC236}">
-                <a16:creationId xmlns:a16="http://schemas.microsoft.com/office/drawing/2014/main" xmlns="" id="{251DDFF8-EE25-4F2B-92B5-87EA7C94193D}"/>
+                <a16:creationId xmlns="" xmlns:a16="http://schemas.microsoft.com/office/drawing/2014/main" id="{251DDFF8-EE25-4F2B-92B5-87EA7C94193D}"/>
               </a:ext>
             </a:extLst>
           </p:cNvPr>
@@ -472,7 +473,7 @@
           <p:cNvPr id="5" name="Marcador de pie de página 4">
             <a:extLst>
               <a:ext uri="{FF2B5EF4-FFF2-40B4-BE49-F238E27FC236}">
-                <a16:creationId xmlns:a16="http://schemas.microsoft.com/office/drawing/2014/main" xmlns="" id="{7F722206-E672-40C6-B358-A96D92C15A60}"/>
+                <a16:creationId xmlns="" xmlns:a16="http://schemas.microsoft.com/office/drawing/2014/main" id="{7F722206-E672-40C6-B358-A96D92C15A60}"/>
               </a:ext>
             </a:extLst>
           </p:cNvPr>
@@ -497,7 +498,7 @@
           <p:cNvPr id="6" name="Marcador de número de diapositiva 5">
             <a:extLst>
               <a:ext uri="{FF2B5EF4-FFF2-40B4-BE49-F238E27FC236}">
-                <a16:creationId xmlns:a16="http://schemas.microsoft.com/office/drawing/2014/main" xmlns="" id="{D8227C70-9229-4A7A-B1A8-2353B8C2E29A}"/>
+                <a16:creationId xmlns="" xmlns:a16="http://schemas.microsoft.com/office/drawing/2014/main" id="{D8227C70-9229-4A7A-B1A8-2353B8C2E29A}"/>
               </a:ext>
             </a:extLst>
           </p:cNvPr>
@@ -556,7 +557,7 @@
           <p:cNvPr id="2" name="Título vertical 1">
             <a:extLst>
               <a:ext uri="{FF2B5EF4-FFF2-40B4-BE49-F238E27FC236}">
-                <a16:creationId xmlns:a16="http://schemas.microsoft.com/office/drawing/2014/main" xmlns="" id="{E1093BC7-53B4-4A05-8410-973EF4E520B8}"/>
+                <a16:creationId xmlns="" xmlns:a16="http://schemas.microsoft.com/office/drawing/2014/main" id="{E1093BC7-53B4-4A05-8410-973EF4E520B8}"/>
               </a:ext>
             </a:extLst>
           </p:cNvPr>
@@ -590,7 +591,7 @@
           <p:cNvPr id="3" name="Marcador de texto vertical 2">
             <a:extLst>
               <a:ext uri="{FF2B5EF4-FFF2-40B4-BE49-F238E27FC236}">
-                <a16:creationId xmlns:a16="http://schemas.microsoft.com/office/drawing/2014/main" xmlns="" id="{E9C491BA-B4D2-419A-9121-8ABB39495260}"/>
+                <a16:creationId xmlns="" xmlns:a16="http://schemas.microsoft.com/office/drawing/2014/main" id="{E9C491BA-B4D2-419A-9121-8ABB39495260}"/>
               </a:ext>
             </a:extLst>
           </p:cNvPr>
@@ -653,7 +654,7 @@
           <p:cNvPr id="4" name="Marcador de fecha 3">
             <a:extLst>
               <a:ext uri="{FF2B5EF4-FFF2-40B4-BE49-F238E27FC236}">
-                <a16:creationId xmlns:a16="http://schemas.microsoft.com/office/drawing/2014/main" xmlns="" id="{C01AAC7D-89C3-4F35-B6F0-EEF45EA6A675}"/>
+                <a16:creationId xmlns="" xmlns:a16="http://schemas.microsoft.com/office/drawing/2014/main" id="{C01AAC7D-89C3-4F35-B6F0-EEF45EA6A675}"/>
               </a:ext>
             </a:extLst>
           </p:cNvPr>
@@ -682,7 +683,7 @@
           <p:cNvPr id="5" name="Marcador de pie de página 4">
             <a:extLst>
               <a:ext uri="{FF2B5EF4-FFF2-40B4-BE49-F238E27FC236}">
-                <a16:creationId xmlns:a16="http://schemas.microsoft.com/office/drawing/2014/main" xmlns="" id="{5DB79EB4-1DEE-4890-BF6F-59BB622EB7C3}"/>
+                <a16:creationId xmlns="" xmlns:a16="http://schemas.microsoft.com/office/drawing/2014/main" id="{5DB79EB4-1DEE-4890-BF6F-59BB622EB7C3}"/>
               </a:ext>
             </a:extLst>
           </p:cNvPr>
@@ -707,7 +708,7 @@
           <p:cNvPr id="6" name="Marcador de número de diapositiva 5">
             <a:extLst>
               <a:ext uri="{FF2B5EF4-FFF2-40B4-BE49-F238E27FC236}">
-                <a16:creationId xmlns:a16="http://schemas.microsoft.com/office/drawing/2014/main" xmlns="" id="{24EE704D-05A1-4DAD-822E-A7C7176D122C}"/>
+                <a16:creationId xmlns="" xmlns:a16="http://schemas.microsoft.com/office/drawing/2014/main" id="{24EE704D-05A1-4DAD-822E-A7C7176D122C}"/>
               </a:ext>
             </a:extLst>
           </p:cNvPr>
@@ -766,7 +767,7 @@
           <p:cNvPr id="2" name="Título 1">
             <a:extLst>
               <a:ext uri="{FF2B5EF4-FFF2-40B4-BE49-F238E27FC236}">
-                <a16:creationId xmlns:a16="http://schemas.microsoft.com/office/drawing/2014/main" xmlns="" id="{F18ABCC2-E245-4F2B-BF78-9093B596CB3E}"/>
+                <a16:creationId xmlns="" xmlns:a16="http://schemas.microsoft.com/office/drawing/2014/main" id="{F18ABCC2-E245-4F2B-BF78-9093B596CB3E}"/>
               </a:ext>
             </a:extLst>
           </p:cNvPr>
@@ -795,7 +796,7 @@
           <p:cNvPr id="3" name="Marcador de contenido 2">
             <a:extLst>
               <a:ext uri="{FF2B5EF4-FFF2-40B4-BE49-F238E27FC236}">
-                <a16:creationId xmlns:a16="http://schemas.microsoft.com/office/drawing/2014/main" xmlns="" id="{3E8BE892-772F-4053-B880-A4A1CB0820EA}"/>
+                <a16:creationId xmlns="" xmlns:a16="http://schemas.microsoft.com/office/drawing/2014/main" id="{3E8BE892-772F-4053-B880-A4A1CB0820EA}"/>
               </a:ext>
             </a:extLst>
           </p:cNvPr>
@@ -853,7 +854,7 @@
           <p:cNvPr id="4" name="Marcador de fecha 3">
             <a:extLst>
               <a:ext uri="{FF2B5EF4-FFF2-40B4-BE49-F238E27FC236}">
-                <a16:creationId xmlns:a16="http://schemas.microsoft.com/office/drawing/2014/main" xmlns="" id="{7504EB73-871D-41FF-9191-684345F5ADF1}"/>
+                <a16:creationId xmlns="" xmlns:a16="http://schemas.microsoft.com/office/drawing/2014/main" id="{7504EB73-871D-41FF-9191-684345F5ADF1}"/>
               </a:ext>
             </a:extLst>
           </p:cNvPr>
@@ -882,7 +883,7 @@
           <p:cNvPr id="5" name="Marcador de pie de página 4">
             <a:extLst>
               <a:ext uri="{FF2B5EF4-FFF2-40B4-BE49-F238E27FC236}">
-                <a16:creationId xmlns:a16="http://schemas.microsoft.com/office/drawing/2014/main" xmlns="" id="{E3FD2752-5B6F-41EB-9F35-B2AD36801510}"/>
+                <a16:creationId xmlns="" xmlns:a16="http://schemas.microsoft.com/office/drawing/2014/main" id="{E3FD2752-5B6F-41EB-9F35-B2AD36801510}"/>
               </a:ext>
             </a:extLst>
           </p:cNvPr>
@@ -907,7 +908,7 @@
           <p:cNvPr id="6" name="Marcador de número de diapositiva 5">
             <a:extLst>
               <a:ext uri="{FF2B5EF4-FFF2-40B4-BE49-F238E27FC236}">
-                <a16:creationId xmlns:a16="http://schemas.microsoft.com/office/drawing/2014/main" xmlns="" id="{68879FB6-FE40-4032-98D0-4EE5CDA60255}"/>
+                <a16:creationId xmlns="" xmlns:a16="http://schemas.microsoft.com/office/drawing/2014/main" id="{68879FB6-FE40-4032-98D0-4EE5CDA60255}"/>
               </a:ext>
             </a:extLst>
           </p:cNvPr>
@@ -966,7 +967,7 @@
           <p:cNvPr id="2" name="Título 1">
             <a:extLst>
               <a:ext uri="{FF2B5EF4-FFF2-40B4-BE49-F238E27FC236}">
-                <a16:creationId xmlns:a16="http://schemas.microsoft.com/office/drawing/2014/main" xmlns="" id="{BDD891DB-83A8-46F0-8DD7-169DCECF1091}"/>
+                <a16:creationId xmlns="" xmlns:a16="http://schemas.microsoft.com/office/drawing/2014/main" id="{BDD891DB-83A8-46F0-8DD7-169DCECF1091}"/>
               </a:ext>
             </a:extLst>
           </p:cNvPr>
@@ -1004,7 +1005,7 @@
           <p:cNvPr id="3" name="Marcador de texto 2">
             <a:extLst>
               <a:ext uri="{FF2B5EF4-FFF2-40B4-BE49-F238E27FC236}">
-                <a16:creationId xmlns:a16="http://schemas.microsoft.com/office/drawing/2014/main" xmlns="" id="{C2C5D3EC-56CA-4B16-B961-7E5452F41603}"/>
+                <a16:creationId xmlns="" xmlns:a16="http://schemas.microsoft.com/office/drawing/2014/main" id="{C2C5D3EC-56CA-4B16-B961-7E5452F41603}"/>
               </a:ext>
             </a:extLst>
           </p:cNvPr>
@@ -1129,7 +1130,7 @@
           <p:cNvPr id="4" name="Marcador de fecha 3">
             <a:extLst>
               <a:ext uri="{FF2B5EF4-FFF2-40B4-BE49-F238E27FC236}">
-                <a16:creationId xmlns:a16="http://schemas.microsoft.com/office/drawing/2014/main" xmlns="" id="{32A7B121-7F84-4E82-96DA-BBD5D9E287A3}"/>
+                <a16:creationId xmlns="" xmlns:a16="http://schemas.microsoft.com/office/drawing/2014/main" id="{32A7B121-7F84-4E82-96DA-BBD5D9E287A3}"/>
               </a:ext>
             </a:extLst>
           </p:cNvPr>
@@ -1158,7 +1159,7 @@
           <p:cNvPr id="5" name="Marcador de pie de página 4">
             <a:extLst>
               <a:ext uri="{FF2B5EF4-FFF2-40B4-BE49-F238E27FC236}">
-                <a16:creationId xmlns:a16="http://schemas.microsoft.com/office/drawing/2014/main" xmlns="" id="{3093C164-B482-4F95-A024-3A7C702C5ABA}"/>
+                <a16:creationId xmlns="" xmlns:a16="http://schemas.microsoft.com/office/drawing/2014/main" id="{3093C164-B482-4F95-A024-3A7C702C5ABA}"/>
               </a:ext>
             </a:extLst>
           </p:cNvPr>
@@ -1183,7 +1184,7 @@
           <p:cNvPr id="6" name="Marcador de número de diapositiva 5">
             <a:extLst>
               <a:ext uri="{FF2B5EF4-FFF2-40B4-BE49-F238E27FC236}">
-                <a16:creationId xmlns:a16="http://schemas.microsoft.com/office/drawing/2014/main" xmlns="" id="{F5747441-5958-484B-A2B6-9326A2C339A3}"/>
+                <a16:creationId xmlns="" xmlns:a16="http://schemas.microsoft.com/office/drawing/2014/main" id="{F5747441-5958-484B-A2B6-9326A2C339A3}"/>
               </a:ext>
             </a:extLst>
           </p:cNvPr>
@@ -1242,7 +1243,7 @@
           <p:cNvPr id="2" name="Título 1">
             <a:extLst>
               <a:ext uri="{FF2B5EF4-FFF2-40B4-BE49-F238E27FC236}">
-                <a16:creationId xmlns:a16="http://schemas.microsoft.com/office/drawing/2014/main" xmlns="" id="{42659694-7234-422B-8276-7C539F8CBAF7}"/>
+                <a16:creationId xmlns="" xmlns:a16="http://schemas.microsoft.com/office/drawing/2014/main" id="{42659694-7234-422B-8276-7C539F8CBAF7}"/>
               </a:ext>
             </a:extLst>
           </p:cNvPr>
@@ -1271,7 +1272,7 @@
           <p:cNvPr id="3" name="Marcador de contenido 2">
             <a:extLst>
               <a:ext uri="{FF2B5EF4-FFF2-40B4-BE49-F238E27FC236}">
-                <a16:creationId xmlns:a16="http://schemas.microsoft.com/office/drawing/2014/main" xmlns="" id="{F2B28E2E-E02A-4DB0-AD6C-9872C5AF616A}"/>
+                <a16:creationId xmlns="" xmlns:a16="http://schemas.microsoft.com/office/drawing/2014/main" id="{F2B28E2E-E02A-4DB0-AD6C-9872C5AF616A}"/>
               </a:ext>
             </a:extLst>
           </p:cNvPr>
@@ -1334,7 +1335,7 @@
           <p:cNvPr id="4" name="Marcador de contenido 3">
             <a:extLst>
               <a:ext uri="{FF2B5EF4-FFF2-40B4-BE49-F238E27FC236}">
-                <a16:creationId xmlns:a16="http://schemas.microsoft.com/office/drawing/2014/main" xmlns="" id="{60C1AABF-91CF-416C-A69C-E02782084BCC}"/>
+                <a16:creationId xmlns="" xmlns:a16="http://schemas.microsoft.com/office/drawing/2014/main" id="{60C1AABF-91CF-416C-A69C-E02782084BCC}"/>
               </a:ext>
             </a:extLst>
           </p:cNvPr>
@@ -1397,7 +1398,7 @@
           <p:cNvPr id="5" name="Marcador de fecha 4">
             <a:extLst>
               <a:ext uri="{FF2B5EF4-FFF2-40B4-BE49-F238E27FC236}">
-                <a16:creationId xmlns:a16="http://schemas.microsoft.com/office/drawing/2014/main" xmlns="" id="{CAD48670-477A-4802-B74C-269D7CCD29AA}"/>
+                <a16:creationId xmlns="" xmlns:a16="http://schemas.microsoft.com/office/drawing/2014/main" id="{CAD48670-477A-4802-B74C-269D7CCD29AA}"/>
               </a:ext>
             </a:extLst>
           </p:cNvPr>
@@ -1426,7 +1427,7 @@
           <p:cNvPr id="6" name="Marcador de pie de página 5">
             <a:extLst>
               <a:ext uri="{FF2B5EF4-FFF2-40B4-BE49-F238E27FC236}">
-                <a16:creationId xmlns:a16="http://schemas.microsoft.com/office/drawing/2014/main" xmlns="" id="{06DF7178-DBC3-4E15-87F5-AE945F060480}"/>
+                <a16:creationId xmlns="" xmlns:a16="http://schemas.microsoft.com/office/drawing/2014/main" id="{06DF7178-DBC3-4E15-87F5-AE945F060480}"/>
               </a:ext>
             </a:extLst>
           </p:cNvPr>
@@ -1451,7 +1452,7 @@
           <p:cNvPr id="7" name="Marcador de número de diapositiva 6">
             <a:extLst>
               <a:ext uri="{FF2B5EF4-FFF2-40B4-BE49-F238E27FC236}">
-                <a16:creationId xmlns:a16="http://schemas.microsoft.com/office/drawing/2014/main" xmlns="" id="{419B6B15-F20F-4F72-B1CC-963BDD17A32A}"/>
+                <a16:creationId xmlns="" xmlns:a16="http://schemas.microsoft.com/office/drawing/2014/main" id="{419B6B15-F20F-4F72-B1CC-963BDD17A32A}"/>
               </a:ext>
             </a:extLst>
           </p:cNvPr>
@@ -1510,7 +1511,7 @@
           <p:cNvPr id="2" name="Título 1">
             <a:extLst>
               <a:ext uri="{FF2B5EF4-FFF2-40B4-BE49-F238E27FC236}">
-                <a16:creationId xmlns:a16="http://schemas.microsoft.com/office/drawing/2014/main" xmlns="" id="{81BB017F-8953-47FC-9F44-A47C4C9AB0C8}"/>
+                <a16:creationId xmlns="" xmlns:a16="http://schemas.microsoft.com/office/drawing/2014/main" id="{81BB017F-8953-47FC-9F44-A47C4C9AB0C8}"/>
               </a:ext>
             </a:extLst>
           </p:cNvPr>
@@ -1544,7 +1545,7 @@
           <p:cNvPr id="3" name="Marcador de texto 2">
             <a:extLst>
               <a:ext uri="{FF2B5EF4-FFF2-40B4-BE49-F238E27FC236}">
-                <a16:creationId xmlns:a16="http://schemas.microsoft.com/office/drawing/2014/main" xmlns="" id="{97E69357-8F49-40BD-94D5-DB2D57088A29}"/>
+                <a16:creationId xmlns="" xmlns:a16="http://schemas.microsoft.com/office/drawing/2014/main" id="{97E69357-8F49-40BD-94D5-DB2D57088A29}"/>
               </a:ext>
             </a:extLst>
           </p:cNvPr>
@@ -1615,7 +1616,7 @@
           <p:cNvPr id="4" name="Marcador de contenido 3">
             <a:extLst>
               <a:ext uri="{FF2B5EF4-FFF2-40B4-BE49-F238E27FC236}">
-                <a16:creationId xmlns:a16="http://schemas.microsoft.com/office/drawing/2014/main" xmlns="" id="{1F915FA6-FB22-4277-90B1-5029E66A06CB}"/>
+                <a16:creationId xmlns="" xmlns:a16="http://schemas.microsoft.com/office/drawing/2014/main" id="{1F915FA6-FB22-4277-90B1-5029E66A06CB}"/>
               </a:ext>
             </a:extLst>
           </p:cNvPr>
@@ -1678,7 +1679,7 @@
           <p:cNvPr id="5" name="Marcador de texto 4">
             <a:extLst>
               <a:ext uri="{FF2B5EF4-FFF2-40B4-BE49-F238E27FC236}">
-                <a16:creationId xmlns:a16="http://schemas.microsoft.com/office/drawing/2014/main" xmlns="" id="{9D8CE37C-5613-4A75-B541-579835F0A75A}"/>
+                <a16:creationId xmlns="" xmlns:a16="http://schemas.microsoft.com/office/drawing/2014/main" id="{9D8CE37C-5613-4A75-B541-579835F0A75A}"/>
               </a:ext>
             </a:extLst>
           </p:cNvPr>
@@ -1749,7 +1750,7 @@
           <p:cNvPr id="6" name="Marcador de contenido 5">
             <a:extLst>
               <a:ext uri="{FF2B5EF4-FFF2-40B4-BE49-F238E27FC236}">
-                <a16:creationId xmlns:a16="http://schemas.microsoft.com/office/drawing/2014/main" xmlns="" id="{4D12BC5B-BEE0-45FD-A3CC-9B46D7D4C067}"/>
+                <a16:creationId xmlns="" xmlns:a16="http://schemas.microsoft.com/office/drawing/2014/main" id="{4D12BC5B-BEE0-45FD-A3CC-9B46D7D4C067}"/>
               </a:ext>
             </a:extLst>
           </p:cNvPr>
@@ -1812,7 +1813,7 @@
           <p:cNvPr id="7" name="Marcador de fecha 6">
             <a:extLst>
               <a:ext uri="{FF2B5EF4-FFF2-40B4-BE49-F238E27FC236}">
-                <a16:creationId xmlns:a16="http://schemas.microsoft.com/office/drawing/2014/main" xmlns="" id="{CFE9F901-72B5-44FC-B054-A9EE80096BDD}"/>
+                <a16:creationId xmlns="" xmlns:a16="http://schemas.microsoft.com/office/drawing/2014/main" id="{CFE9F901-72B5-44FC-B054-A9EE80096BDD}"/>
               </a:ext>
             </a:extLst>
           </p:cNvPr>
@@ -1841,7 +1842,7 @@
           <p:cNvPr id="8" name="Marcador de pie de página 7">
             <a:extLst>
               <a:ext uri="{FF2B5EF4-FFF2-40B4-BE49-F238E27FC236}">
-                <a16:creationId xmlns:a16="http://schemas.microsoft.com/office/drawing/2014/main" xmlns="" id="{3A22B37A-FDD2-44E1-9D91-C4A70A3D817B}"/>
+                <a16:creationId xmlns="" xmlns:a16="http://schemas.microsoft.com/office/drawing/2014/main" id="{3A22B37A-FDD2-44E1-9D91-C4A70A3D817B}"/>
               </a:ext>
             </a:extLst>
           </p:cNvPr>
@@ -1866,7 +1867,7 @@
           <p:cNvPr id="9" name="Marcador de número de diapositiva 8">
             <a:extLst>
               <a:ext uri="{FF2B5EF4-FFF2-40B4-BE49-F238E27FC236}">
-                <a16:creationId xmlns:a16="http://schemas.microsoft.com/office/drawing/2014/main" xmlns="" id="{DEFB57A9-618C-4067-AC35-9BF14FEBE2A6}"/>
+                <a16:creationId xmlns="" xmlns:a16="http://schemas.microsoft.com/office/drawing/2014/main" id="{DEFB57A9-618C-4067-AC35-9BF14FEBE2A6}"/>
               </a:ext>
             </a:extLst>
           </p:cNvPr>
@@ -1925,7 +1926,7 @@
           <p:cNvPr id="2" name="Título 1">
             <a:extLst>
               <a:ext uri="{FF2B5EF4-FFF2-40B4-BE49-F238E27FC236}">
-                <a16:creationId xmlns:a16="http://schemas.microsoft.com/office/drawing/2014/main" xmlns="" id="{A39259DA-32CC-4F3A-AB1E-32646DCD07D5}"/>
+                <a16:creationId xmlns="" xmlns:a16="http://schemas.microsoft.com/office/drawing/2014/main" id="{A39259DA-32CC-4F3A-AB1E-32646DCD07D5}"/>
               </a:ext>
             </a:extLst>
           </p:cNvPr>
@@ -1954,7 +1955,7 @@
           <p:cNvPr id="3" name="Marcador de fecha 2">
             <a:extLst>
               <a:ext uri="{FF2B5EF4-FFF2-40B4-BE49-F238E27FC236}">
-                <a16:creationId xmlns:a16="http://schemas.microsoft.com/office/drawing/2014/main" xmlns="" id="{0F80833C-741A-474F-8E85-3A81E86E6B52}"/>
+                <a16:creationId xmlns="" xmlns:a16="http://schemas.microsoft.com/office/drawing/2014/main" id="{0F80833C-741A-474F-8E85-3A81E86E6B52}"/>
               </a:ext>
             </a:extLst>
           </p:cNvPr>
@@ -1983,7 +1984,7 @@
           <p:cNvPr id="4" name="Marcador de pie de página 3">
             <a:extLst>
               <a:ext uri="{FF2B5EF4-FFF2-40B4-BE49-F238E27FC236}">
-                <a16:creationId xmlns:a16="http://schemas.microsoft.com/office/drawing/2014/main" xmlns="" id="{B1BE715E-F382-4B48-A4C2-627E5D71A257}"/>
+                <a16:creationId xmlns="" xmlns:a16="http://schemas.microsoft.com/office/drawing/2014/main" id="{B1BE715E-F382-4B48-A4C2-627E5D71A257}"/>
               </a:ext>
             </a:extLst>
           </p:cNvPr>
@@ -2008,7 +2009,7 @@
           <p:cNvPr id="5" name="Marcador de número de diapositiva 4">
             <a:extLst>
               <a:ext uri="{FF2B5EF4-FFF2-40B4-BE49-F238E27FC236}">
-                <a16:creationId xmlns:a16="http://schemas.microsoft.com/office/drawing/2014/main" xmlns="" id="{B8295FFE-929F-4410-AC62-AA43C8DA3C4F}"/>
+                <a16:creationId xmlns="" xmlns:a16="http://schemas.microsoft.com/office/drawing/2014/main" id="{B8295FFE-929F-4410-AC62-AA43C8DA3C4F}"/>
               </a:ext>
             </a:extLst>
           </p:cNvPr>
@@ -2067,7 +2068,7 @@
           <p:cNvPr id="2" name="Marcador de fecha 1">
             <a:extLst>
               <a:ext uri="{FF2B5EF4-FFF2-40B4-BE49-F238E27FC236}">
-                <a16:creationId xmlns:a16="http://schemas.microsoft.com/office/drawing/2014/main" xmlns="" id="{26A24CBE-C201-44F9-813A-F387B62E6CAC}"/>
+                <a16:creationId xmlns="" xmlns:a16="http://schemas.microsoft.com/office/drawing/2014/main" id="{26A24CBE-C201-44F9-813A-F387B62E6CAC}"/>
               </a:ext>
             </a:extLst>
           </p:cNvPr>
@@ -2096,7 +2097,7 @@
           <p:cNvPr id="3" name="Marcador de pie de página 2">
             <a:extLst>
               <a:ext uri="{FF2B5EF4-FFF2-40B4-BE49-F238E27FC236}">
-                <a16:creationId xmlns:a16="http://schemas.microsoft.com/office/drawing/2014/main" xmlns="" id="{7D5A161C-73BD-412D-9AF1-5ADAA11F3B20}"/>
+                <a16:creationId xmlns="" xmlns:a16="http://schemas.microsoft.com/office/drawing/2014/main" id="{7D5A161C-73BD-412D-9AF1-5ADAA11F3B20}"/>
               </a:ext>
             </a:extLst>
           </p:cNvPr>
@@ -2121,7 +2122,7 @@
           <p:cNvPr id="4" name="Marcador de número de diapositiva 3">
             <a:extLst>
               <a:ext uri="{FF2B5EF4-FFF2-40B4-BE49-F238E27FC236}">
-                <a16:creationId xmlns:a16="http://schemas.microsoft.com/office/drawing/2014/main" xmlns="" id="{B2038CDD-54A7-46A2-A9B4-0711F112B85F}"/>
+                <a16:creationId xmlns="" xmlns:a16="http://schemas.microsoft.com/office/drawing/2014/main" id="{B2038CDD-54A7-46A2-A9B4-0711F112B85F}"/>
               </a:ext>
             </a:extLst>
           </p:cNvPr>
@@ -2180,7 +2181,7 @@
           <p:cNvPr id="2" name="Título 1">
             <a:extLst>
               <a:ext uri="{FF2B5EF4-FFF2-40B4-BE49-F238E27FC236}">
-                <a16:creationId xmlns:a16="http://schemas.microsoft.com/office/drawing/2014/main" xmlns="" id="{F41F4037-2743-470C-9A6C-C50174840B02}"/>
+                <a16:creationId xmlns="" xmlns:a16="http://schemas.microsoft.com/office/drawing/2014/main" id="{F41F4037-2743-470C-9A6C-C50174840B02}"/>
               </a:ext>
             </a:extLst>
           </p:cNvPr>
@@ -2218,7 +2219,7 @@
           <p:cNvPr id="3" name="Marcador de contenido 2">
             <a:extLst>
               <a:ext uri="{FF2B5EF4-FFF2-40B4-BE49-F238E27FC236}">
-                <a16:creationId xmlns:a16="http://schemas.microsoft.com/office/drawing/2014/main" xmlns="" id="{F2754603-2239-44E9-96F6-B75822A1D44E}"/>
+                <a16:creationId xmlns="" xmlns:a16="http://schemas.microsoft.com/office/drawing/2014/main" id="{F2754603-2239-44E9-96F6-B75822A1D44E}"/>
               </a:ext>
             </a:extLst>
           </p:cNvPr>
@@ -2309,7 +2310,7 @@
           <p:cNvPr id="4" name="Marcador de texto 3">
             <a:extLst>
               <a:ext uri="{FF2B5EF4-FFF2-40B4-BE49-F238E27FC236}">
-                <a16:creationId xmlns:a16="http://schemas.microsoft.com/office/drawing/2014/main" xmlns="" id="{81373068-98B4-4220-84CA-3B49980FBF55}"/>
+                <a16:creationId xmlns="" xmlns:a16="http://schemas.microsoft.com/office/drawing/2014/main" id="{81373068-98B4-4220-84CA-3B49980FBF55}"/>
               </a:ext>
             </a:extLst>
           </p:cNvPr>
@@ -2380,7 +2381,7 @@
           <p:cNvPr id="5" name="Marcador de fecha 4">
             <a:extLst>
               <a:ext uri="{FF2B5EF4-FFF2-40B4-BE49-F238E27FC236}">
-                <a16:creationId xmlns:a16="http://schemas.microsoft.com/office/drawing/2014/main" xmlns="" id="{88F4D265-D4F1-4DB5-B619-460C1170D168}"/>
+                <a16:creationId xmlns="" xmlns:a16="http://schemas.microsoft.com/office/drawing/2014/main" id="{88F4D265-D4F1-4DB5-B619-460C1170D168}"/>
               </a:ext>
             </a:extLst>
           </p:cNvPr>
@@ -2409,7 +2410,7 @@
           <p:cNvPr id="6" name="Marcador de pie de página 5">
             <a:extLst>
               <a:ext uri="{FF2B5EF4-FFF2-40B4-BE49-F238E27FC236}">
-                <a16:creationId xmlns:a16="http://schemas.microsoft.com/office/drawing/2014/main" xmlns="" id="{DEC76C4A-227B-483A-AE11-3F7EDDDA9DA5}"/>
+                <a16:creationId xmlns="" xmlns:a16="http://schemas.microsoft.com/office/drawing/2014/main" id="{DEC76C4A-227B-483A-AE11-3F7EDDDA9DA5}"/>
               </a:ext>
             </a:extLst>
           </p:cNvPr>
@@ -2434,7 +2435,7 @@
           <p:cNvPr id="7" name="Marcador de número de diapositiva 6">
             <a:extLst>
               <a:ext uri="{FF2B5EF4-FFF2-40B4-BE49-F238E27FC236}">
-                <a16:creationId xmlns:a16="http://schemas.microsoft.com/office/drawing/2014/main" xmlns="" id="{7C9743B1-A3B7-4EBA-8A56-0EA5F541CEE7}"/>
+                <a16:creationId xmlns="" xmlns:a16="http://schemas.microsoft.com/office/drawing/2014/main" id="{7C9743B1-A3B7-4EBA-8A56-0EA5F541CEE7}"/>
               </a:ext>
             </a:extLst>
           </p:cNvPr>
@@ -2493,7 +2494,7 @@
           <p:cNvPr id="2" name="Título 1">
             <a:extLst>
               <a:ext uri="{FF2B5EF4-FFF2-40B4-BE49-F238E27FC236}">
-                <a16:creationId xmlns:a16="http://schemas.microsoft.com/office/drawing/2014/main" xmlns="" id="{C7539AEE-1298-43E9-91C5-A6C6350870B7}"/>
+                <a16:creationId xmlns="" xmlns:a16="http://schemas.microsoft.com/office/drawing/2014/main" id="{C7539AEE-1298-43E9-91C5-A6C6350870B7}"/>
               </a:ext>
             </a:extLst>
           </p:cNvPr>
@@ -2531,7 +2532,7 @@
           <p:cNvPr id="3" name="Marcador de posición de imagen 2">
             <a:extLst>
               <a:ext uri="{FF2B5EF4-FFF2-40B4-BE49-F238E27FC236}">
-                <a16:creationId xmlns:a16="http://schemas.microsoft.com/office/drawing/2014/main" xmlns="" id="{172FFCD5-F40C-467E-9D48-33124262961B}"/>
+                <a16:creationId xmlns="" xmlns:a16="http://schemas.microsoft.com/office/drawing/2014/main" id="{172FFCD5-F40C-467E-9D48-33124262961B}"/>
               </a:ext>
             </a:extLst>
           </p:cNvPr>
@@ -2598,7 +2599,7 @@
           <p:cNvPr id="4" name="Marcador de texto 3">
             <a:extLst>
               <a:ext uri="{FF2B5EF4-FFF2-40B4-BE49-F238E27FC236}">
-                <a16:creationId xmlns:a16="http://schemas.microsoft.com/office/drawing/2014/main" xmlns="" id="{5D8A73BF-0C16-4966-9E95-7661F25B1802}"/>
+                <a16:creationId xmlns="" xmlns:a16="http://schemas.microsoft.com/office/drawing/2014/main" id="{5D8A73BF-0C16-4966-9E95-7661F25B1802}"/>
               </a:ext>
             </a:extLst>
           </p:cNvPr>
@@ -2669,7 +2670,7 @@
           <p:cNvPr id="5" name="Marcador de fecha 4">
             <a:extLst>
               <a:ext uri="{FF2B5EF4-FFF2-40B4-BE49-F238E27FC236}">
-                <a16:creationId xmlns:a16="http://schemas.microsoft.com/office/drawing/2014/main" xmlns="" id="{0DA6BBC0-513A-4B92-926E-9BD8299C5ED0}"/>
+                <a16:creationId xmlns="" xmlns:a16="http://schemas.microsoft.com/office/drawing/2014/main" id="{0DA6BBC0-513A-4B92-926E-9BD8299C5ED0}"/>
               </a:ext>
             </a:extLst>
           </p:cNvPr>
@@ -2698,7 +2699,7 @@
           <p:cNvPr id="6" name="Marcador de pie de página 5">
             <a:extLst>
               <a:ext uri="{FF2B5EF4-FFF2-40B4-BE49-F238E27FC236}">
-                <a16:creationId xmlns:a16="http://schemas.microsoft.com/office/drawing/2014/main" xmlns="" id="{97F9EBEF-1EA0-4E55-A668-907519F225E4}"/>
+                <a16:creationId xmlns="" xmlns:a16="http://schemas.microsoft.com/office/drawing/2014/main" id="{97F9EBEF-1EA0-4E55-A668-907519F225E4}"/>
               </a:ext>
             </a:extLst>
           </p:cNvPr>
@@ -2723,7 +2724,7 @@
           <p:cNvPr id="7" name="Marcador de número de diapositiva 6">
             <a:extLst>
               <a:ext uri="{FF2B5EF4-FFF2-40B4-BE49-F238E27FC236}">
-                <a16:creationId xmlns:a16="http://schemas.microsoft.com/office/drawing/2014/main" xmlns="" id="{40E341CC-29BE-4808-BA4B-6D077E14B02E}"/>
+                <a16:creationId xmlns="" xmlns:a16="http://schemas.microsoft.com/office/drawing/2014/main" id="{40E341CC-29BE-4808-BA4B-6D077E14B02E}"/>
               </a:ext>
             </a:extLst>
           </p:cNvPr>
@@ -2787,7 +2788,7 @@
           <p:cNvPr id="2" name="Marcador de título 1">
             <a:extLst>
               <a:ext uri="{FF2B5EF4-FFF2-40B4-BE49-F238E27FC236}">
-                <a16:creationId xmlns:a16="http://schemas.microsoft.com/office/drawing/2014/main" xmlns="" id="{AF8EAEC6-67BF-4759-852D-7508009557D9}"/>
+                <a16:creationId xmlns="" xmlns:a16="http://schemas.microsoft.com/office/drawing/2014/main" id="{AF8EAEC6-67BF-4759-852D-7508009557D9}"/>
               </a:ext>
             </a:extLst>
           </p:cNvPr>
@@ -2826,7 +2827,7 @@
           <p:cNvPr id="3" name="Marcador de texto 2">
             <a:extLst>
               <a:ext uri="{FF2B5EF4-FFF2-40B4-BE49-F238E27FC236}">
-                <a16:creationId xmlns:a16="http://schemas.microsoft.com/office/drawing/2014/main" xmlns="" id="{8BD07327-6F05-44A8-B423-401658F3D6F5}"/>
+                <a16:creationId xmlns="" xmlns:a16="http://schemas.microsoft.com/office/drawing/2014/main" id="{8BD07327-6F05-44A8-B423-401658F3D6F5}"/>
               </a:ext>
             </a:extLst>
           </p:cNvPr>
@@ -2894,7 +2895,7 @@
           <p:cNvPr id="4" name="Marcador de fecha 3">
             <a:extLst>
               <a:ext uri="{FF2B5EF4-FFF2-40B4-BE49-F238E27FC236}">
-                <a16:creationId xmlns:a16="http://schemas.microsoft.com/office/drawing/2014/main" xmlns="" id="{344775E4-B3A3-4F61-A17D-E659E6C21396}"/>
+                <a16:creationId xmlns="" xmlns:a16="http://schemas.microsoft.com/office/drawing/2014/main" id="{344775E4-B3A3-4F61-A17D-E659E6C21396}"/>
               </a:ext>
             </a:extLst>
           </p:cNvPr>
@@ -2941,7 +2942,7 @@
           <p:cNvPr id="5" name="Marcador de pie de página 4">
             <a:extLst>
               <a:ext uri="{FF2B5EF4-FFF2-40B4-BE49-F238E27FC236}">
-                <a16:creationId xmlns:a16="http://schemas.microsoft.com/office/drawing/2014/main" xmlns="" id="{BD0682E1-DC6E-4904-8D83-821ABB717A7B}"/>
+                <a16:creationId xmlns="" xmlns:a16="http://schemas.microsoft.com/office/drawing/2014/main" id="{BD0682E1-DC6E-4904-8D83-821ABB717A7B}"/>
               </a:ext>
             </a:extLst>
           </p:cNvPr>
@@ -2984,7 +2985,7 @@
           <p:cNvPr id="6" name="Marcador de número de diapositiva 5">
             <a:extLst>
               <a:ext uri="{FF2B5EF4-FFF2-40B4-BE49-F238E27FC236}">
-                <a16:creationId xmlns:a16="http://schemas.microsoft.com/office/drawing/2014/main" xmlns="" id="{524E1401-11F7-4371-928E-0E1F4EAAECDF}"/>
+                <a16:creationId xmlns="" xmlns:a16="http://schemas.microsoft.com/office/drawing/2014/main" id="{524E1401-11F7-4371-928E-0E1F4EAAECDF}"/>
               </a:ext>
             </a:extLst>
           </p:cNvPr>
@@ -3352,7 +3353,7 @@
           <p:cNvPr id="2" name="Título 1">
             <a:extLst>
               <a:ext uri="{FF2B5EF4-FFF2-40B4-BE49-F238E27FC236}">
-                <a16:creationId xmlns:a16="http://schemas.microsoft.com/office/drawing/2014/main" xmlns="" id="{98DB80A1-40DC-4876-B550-E34FD2EEB7E6}"/>
+                <a16:creationId xmlns="" xmlns:a16="http://schemas.microsoft.com/office/drawing/2014/main" id="{98DB80A1-40DC-4876-B550-E34FD2EEB7E6}"/>
               </a:ext>
             </a:extLst>
           </p:cNvPr>
@@ -3377,7 +3378,7 @@
           <p:cNvPr id="3" name="Subtítulo 2">
             <a:extLst>
               <a:ext uri="{FF2B5EF4-FFF2-40B4-BE49-F238E27FC236}">
-                <a16:creationId xmlns:a16="http://schemas.microsoft.com/office/drawing/2014/main" xmlns="" id="{63D83794-F5E2-4180-BBAF-9E7EE173D5DF}"/>
+                <a16:creationId xmlns="" xmlns:a16="http://schemas.microsoft.com/office/drawing/2014/main" id="{63D83794-F5E2-4180-BBAF-9E7EE173D5DF}"/>
               </a:ext>
             </a:extLst>
           </p:cNvPr>
@@ -3402,7 +3403,7 @@
           <p:cNvPr id="5" name="Imagen 4">
             <a:extLst>
               <a:ext uri="{FF2B5EF4-FFF2-40B4-BE49-F238E27FC236}">
-                <a16:creationId xmlns:a16="http://schemas.microsoft.com/office/drawing/2014/main" xmlns="" id="{2689D12F-DCBC-4A4A-97CE-DE32076DE1DA}"/>
+                <a16:creationId xmlns="" xmlns:a16="http://schemas.microsoft.com/office/drawing/2014/main" id="{2689D12F-DCBC-4A4A-97CE-DE32076DE1DA}"/>
               </a:ext>
             </a:extLst>
           </p:cNvPr>
@@ -3437,6 +3438,84 @@
     <p:extLst>
       <p:ext uri="{BB962C8B-B14F-4D97-AF65-F5344CB8AC3E}">
         <p14:creationId xmlns:p14="http://schemas.microsoft.com/office/powerpoint/2010/main" val="3604458547"/>
+      </p:ext>
+    </p:extLst>
+  </p:cSld>
+  <p:clrMapOvr>
+    <a:masterClrMapping/>
+  </p:clrMapOvr>
+</p:sld>
+</file>
+
+<file path=ppt/slides/slide2.xml><?xml version="1.0" encoding="utf-8"?>
+<p:sld xmlns:a="http://schemas.openxmlformats.org/drawingml/2006/main" xmlns:r="http://schemas.openxmlformats.org/officeDocument/2006/relationships" xmlns:p="http://schemas.openxmlformats.org/presentationml/2006/main">
+  <p:cSld>
+    <p:spTree>
+      <p:nvGrpSpPr>
+        <p:cNvPr id="1" name=""/>
+        <p:cNvGrpSpPr/>
+        <p:nvPr/>
+      </p:nvGrpSpPr>
+      <p:grpSpPr>
+        <a:xfrm>
+          <a:off x="0" y="0"/>
+          <a:ext cx="0" cy="0"/>
+          <a:chOff x="0" y="0"/>
+          <a:chExt cx="0" cy="0"/>
+        </a:xfrm>
+      </p:grpSpPr>
+      <p:sp>
+        <p:nvSpPr>
+          <p:cNvPr id="2" name="Título 1"/>
+          <p:cNvSpPr>
+            <a:spLocks noGrp="1"/>
+          </p:cNvSpPr>
+          <p:nvPr>
+            <p:ph type="title"/>
+          </p:nvPr>
+        </p:nvSpPr>
+        <p:spPr/>
+        <p:txBody>
+          <a:bodyPr/>
+          <a:lstStyle/>
+          <a:p>
+            <a:endParaRPr lang="es-MX"/>
+          </a:p>
+        </p:txBody>
+      </p:sp>
+      <p:pic>
+        <p:nvPicPr>
+          <p:cNvPr id="4" name="Marcador de contenido 3"/>
+          <p:cNvPicPr>
+            <a:picLocks noGrp="1" noChangeAspect="1"/>
+          </p:cNvPicPr>
+          <p:nvPr>
+            <p:ph idx="1"/>
+          </p:nvPr>
+        </p:nvPicPr>
+        <p:blipFill>
+          <a:blip r:embed="rId2">
+            <a:extLst>
+              <a:ext uri="{28A0092B-C50C-407E-A947-70E740481C1C}">
+                <a14:useLocalDpi xmlns:a14="http://schemas.microsoft.com/office/drawing/2010/main" val="0"/>
+              </a:ext>
+            </a:extLst>
+          </a:blip>
+          <a:stretch>
+            <a:fillRect/>
+          </a:stretch>
+        </p:blipFill>
+        <p:spPr>
+          <a:xfrm>
+            <a:off x="2228144" y="1825625"/>
+            <a:ext cx="7735712" cy="4351338"/>
+          </a:xfrm>
+        </p:spPr>
+      </p:pic>
+    </p:spTree>
+    <p:extLst>
+      <p:ext uri="{BB962C8B-B14F-4D97-AF65-F5344CB8AC3E}">
+        <p14:creationId xmlns:p14="http://schemas.microsoft.com/office/powerpoint/2010/main" val="3181646778"/>
       </p:ext>
     </p:extLst>
   </p:cSld>
